--- a/4th_year/Slides/mt.pptx
+++ b/4th_year/Slides/mt.pptx
@@ -322,7 +322,7 @@
           <a:p>
             <a:fld id="{FFFFC84B-3D85-6C41-A6B8-B4414FE774B1}" type="datetimeFigureOut">
               <a:rPr lang="ru-RU" smtClean="0"/>
-              <a:t>15.12.2021</a:t>
+              <a:t>15.12.2022</a:t>
             </a:fld>
             <a:endParaRPr lang="ru-RU"/>
           </a:p>
@@ -488,7 +488,7 @@
           <a:p>
             <a:fld id="{F13716B1-732F-724E-A7CA-7EEA59C7677F}" type="datetimeFigureOut">
               <a:rPr lang="ru-RU" smtClean="0"/>
-              <a:t>15.12.2021</a:t>
+              <a:t>15.12.2022</a:t>
             </a:fld>
             <a:endParaRPr lang="ru-RU"/>
           </a:p>
@@ -1193,7 +1193,7 @@
           <a:p>
             <a:fld id="{ABF929A3-70F5-EF4C-974F-23A68813AC7C}" type="datetime1">
               <a:rPr lang="ru-RU" smtClean="0"/>
-              <a:t>15.12.2021</a:t>
+              <a:t>15.12.2022</a:t>
             </a:fld>
             <a:endParaRPr lang="en-US"/>
           </a:p>
@@ -1836,7 +1836,7 @@
           <a:p>
             <a:fld id="{36ED8610-C2DA-F44C-AA91-3D19D5427654}" type="datetime1">
               <a:rPr lang="ru-RU" smtClean="0"/>
-              <a:t>15.12.2021</a:t>
+              <a:t>15.12.2022</a:t>
             </a:fld>
             <a:endParaRPr lang="en-US"/>
           </a:p>
@@ -2412,7 +2412,7 @@
           <a:p>
             <a:fld id="{BCF61CE6-EED1-394C-B096-1CBF0F90DC50}" type="datetime1">
               <a:rPr lang="ru-RU" smtClean="0"/>
-              <a:t>15.12.2021</a:t>
+              <a:t>15.12.2022</a:t>
             </a:fld>
             <a:endParaRPr lang="en-US"/>
           </a:p>
@@ -2950,7 +2950,7 @@
           <a:p>
             <a:fld id="{352F4C6C-5BBA-564B-A667-926DA20F84A0}" type="datetime1">
               <a:rPr lang="ru-RU" smtClean="0"/>
-              <a:t>15.12.2021</a:t>
+              <a:t>15.12.2022</a:t>
             </a:fld>
             <a:endParaRPr lang="en-US"/>
           </a:p>
@@ -3384,7 +3384,7 @@
           <a:p>
             <a:fld id="{58DAB162-FB4F-A244-9D0E-A84BB353F75C}" type="datetime1">
               <a:rPr lang="ru-RU" smtClean="0"/>
-              <a:t>15.12.2021</a:t>
+              <a:t>15.12.2022</a:t>
             </a:fld>
             <a:endParaRPr lang="en-US"/>
           </a:p>
@@ -3849,7 +3849,7 @@
           <a:p>
             <a:fld id="{B8CA38AE-CF15-AC4D-A945-88BFE8FA0576}" type="datetime1">
               <a:rPr lang="ru-RU" smtClean="0"/>
-              <a:t>15.12.2021</a:t>
+              <a:t>15.12.2022</a:t>
             </a:fld>
             <a:endParaRPr lang="en-US"/>
           </a:p>
@@ -4283,7 +4283,7 @@
           <a:p>
             <a:fld id="{181F57FB-EFB7-1D47-A217-46D9DC464121}" type="datetime1">
               <a:rPr lang="ru-RU" smtClean="0"/>
-              <a:t>15.12.2021</a:t>
+              <a:t>15.12.2022</a:t>
             </a:fld>
             <a:endParaRPr lang="en-US"/>
           </a:p>
@@ -4761,7 +4761,7 @@
           <a:p>
             <a:fld id="{840F2F42-4C8C-EA4A-BEBC-8CD15C36462E}" type="datetime1">
               <a:rPr lang="ru-RU" smtClean="0"/>
-              <a:t>15.12.2021</a:t>
+              <a:t>15.12.2022</a:t>
             </a:fld>
             <a:endParaRPr lang="en-US"/>
           </a:p>
@@ -5215,7 +5215,7 @@
           <a:p>
             <a:fld id="{B24F3404-1DC2-2D49-B5F6-2E3C521A8554}" type="datetime1">
               <a:rPr lang="ru-RU" smtClean="0"/>
-              <a:t>15.12.2021</a:t>
+              <a:t>15.12.2022</a:t>
             </a:fld>
             <a:endParaRPr lang="en-US"/>
           </a:p>
@@ -5739,7 +5739,7 @@
           <a:p>
             <a:fld id="{06E1FAE4-4057-F249-B545-41A5EEE9296B}" type="datetime1">
               <a:rPr lang="ru-RU" smtClean="0"/>
-              <a:t>15.12.2021</a:t>
+              <a:t>15.12.2022</a:t>
             </a:fld>
             <a:endParaRPr lang="en-US"/>
           </a:p>
@@ -6519,7 +6519,7 @@
           <a:p>
             <a:fld id="{79009930-885D-2E49-B6EB-68E2796FA61C}" type="datetime1">
               <a:rPr lang="ru-RU" smtClean="0"/>
-              <a:t>15.12.2021</a:t>
+              <a:t>15.12.2022</a:t>
             </a:fld>
             <a:endParaRPr lang="en-US"/>
           </a:p>
@@ -6869,7 +6869,7 @@
           <a:p>
             <a:fld id="{D59DA225-3D1B-9249-972C-77F96EB8FF39}" type="datetime1">
               <a:rPr lang="ru-RU" smtClean="0"/>
-              <a:t>15.12.2021</a:t>
+              <a:t>15.12.2022</a:t>
             </a:fld>
             <a:endParaRPr lang="en-US"/>
           </a:p>
@@ -7142,7 +7142,7 @@
           <a:p>
             <a:fld id="{B8501B1A-BFDF-C946-A612-0414F32D25F2}" type="datetime1">
               <a:rPr lang="ru-RU" smtClean="0"/>
-              <a:t>15.12.2021</a:t>
+              <a:t>15.12.2022</a:t>
             </a:fld>
             <a:endParaRPr lang="en-US"/>
           </a:p>
@@ -7731,7 +7731,7 @@
           <a:p>
             <a:fld id="{BB60FF9F-0264-0043-8F6F-5880FE791A69}" type="datetime1">
               <a:rPr lang="ru-RU" smtClean="0"/>
-              <a:t>15.12.2021</a:t>
+              <a:t>15.12.2022</a:t>
             </a:fld>
             <a:endParaRPr lang="en-US"/>
           </a:p>
@@ -7973,7 +7973,7 @@
           <a:p>
             <a:fld id="{86CFBF9B-6134-924F-8280-0EB1878D9D3B}" type="datetime1">
               <a:rPr lang="ru-RU" smtClean="0"/>
-              <a:t>15.12.2021</a:t>
+              <a:t>15.12.2022</a:t>
             </a:fld>
             <a:endParaRPr lang="en-US"/>
           </a:p>
@@ -8556,19 +8556,23 @@
               <a:t>20</a:t>
             </a:r>
             <a:r>
+              <a:rPr lang="en-US" sz="2200">
+                <a:latin typeface="Cambria"/>
+                <a:cs typeface="Cambria"/>
+              </a:rPr>
+              <a:t>2</a:t>
+            </a:r>
+            <a:r>
               <a:rPr lang="en-US" sz="2200" dirty="0">
                 <a:latin typeface="Cambria"/>
                 <a:cs typeface="Cambria"/>
               </a:rPr>
               <a:t>2</a:t>
             </a:r>
-            <a:r>
-              <a:rPr lang="ru-RU" sz="2200" dirty="0">
-                <a:latin typeface="Cambria"/>
-                <a:cs typeface="Cambria"/>
-              </a:rPr>
-              <a:t>1</a:t>
-            </a:r>
+            <a:endParaRPr lang="ru-RU" sz="2200" dirty="0">
+              <a:latin typeface="Cambria"/>
+              <a:cs typeface="Cambria"/>
+            </a:endParaRPr>
           </a:p>
         </p:txBody>
       </p:sp>
@@ -8683,12 +8687,12 @@
           <a:graphicData uri="http://schemas.openxmlformats.org/presentationml/2006/ole">
             <mc:AlternateContent xmlns:mc="http://schemas.openxmlformats.org/markup-compatibility/2006">
               <mc:Choice xmlns:v="urn:schemas-microsoft-com:vml" Requires="v">
-                <p:oleObj spid="_x0000_s8267" name="Equation" r:id="rId3" imgW="1282700" imgH="368300" progId="Equation.3">
+                <p:oleObj name="Equation" r:id="rId2" imgW="1282700" imgH="368300" progId="Equation.3">
                   <p:embed/>
                 </p:oleObj>
               </mc:Choice>
               <mc:Fallback>
-                <p:oleObj name="Equation" r:id="rId3" imgW="1282700" imgH="368300" progId="Equation.3">
+                <p:oleObj name="Equation" r:id="rId2" imgW="1282700" imgH="368300" progId="Equation.3">
                   <p:embed/>
                   <p:pic>
                     <p:nvPicPr>
@@ -8705,7 +8709,7 @@
                       <p:nvPr/>
                     </p:nvPicPr>
                     <p:blipFill>
-                      <a:blip r:embed="rId4"/>
+                      <a:blip r:embed="rId3"/>
                       <a:srcRect/>
                       <a:stretch>
                         <a:fillRect/>
@@ -8722,7 +8726,7 @@
                       <a:noFill/>
                       <a:extLst>
                         <a:ext uri="{909E8E84-426E-40dd-AFC4-6F175D3DCCD1}">
-                          <a14:hiddenFill xmlns:a14="http://schemas.microsoft.com/office/drawing/2010/main" xmlns="">
+                          <a14:hiddenFill xmlns="" xmlns:a14="http://schemas.microsoft.com/office/drawing/2010/main">
                             <a:solidFill>
                               <a:srgbClr val="FFFFFF"/>
                             </a:solidFill>
@@ -8759,12 +8763,12 @@
           <a:graphicData uri="http://schemas.openxmlformats.org/presentationml/2006/ole">
             <mc:AlternateContent xmlns:mc="http://schemas.openxmlformats.org/markup-compatibility/2006">
               <mc:Choice xmlns:v="urn:schemas-microsoft-com:vml" Requires="v">
-                <p:oleObj spid="_x0000_s8268" name="Equation" r:id="rId5" imgW="1638300" imgH="965200" progId="Equation.3">
+                <p:oleObj name="Equation" r:id="rId4" imgW="1638300" imgH="965200" progId="Equation.3">
                   <p:embed/>
                 </p:oleObj>
               </mc:Choice>
               <mc:Fallback>
-                <p:oleObj name="Equation" r:id="rId5" imgW="1638300" imgH="965200" progId="Equation.3">
+                <p:oleObj name="Equation" r:id="rId4" imgW="1638300" imgH="965200" progId="Equation.3">
                   <p:embed/>
                   <p:pic>
                     <p:nvPicPr>
@@ -8781,7 +8785,7 @@
                       <p:nvPr/>
                     </p:nvPicPr>
                     <p:blipFill>
-                      <a:blip r:embed="rId6"/>
+                      <a:blip r:embed="rId5"/>
                       <a:srcRect/>
                       <a:stretch>
                         <a:fillRect/>
@@ -8798,7 +8802,7 @@
                       <a:noFill/>
                       <a:extLst>
                         <a:ext uri="{909E8E84-426E-40dd-AFC4-6F175D3DCCD1}">
-                          <a14:hiddenFill xmlns:a14="http://schemas.microsoft.com/office/drawing/2010/main" xmlns="">
+                          <a14:hiddenFill xmlns="" xmlns:a14="http://schemas.microsoft.com/office/drawing/2010/main">
                             <a:solidFill>
                               <a:srgbClr val="FFFFFF"/>
                             </a:solidFill>
@@ -9341,12 +9345,12 @@
           <a:graphicData uri="http://schemas.openxmlformats.org/presentationml/2006/ole">
             <mc:AlternateContent xmlns:mc="http://schemas.openxmlformats.org/markup-compatibility/2006">
               <mc:Choice xmlns:v="urn:schemas-microsoft-com:vml" Requires="v">
-                <p:oleObj spid="_x0000_s9328" name="Equation" r:id="rId3" imgW="2336800" imgH="355600" progId="Equation.3">
+                <p:oleObj name="Equation" r:id="rId2" imgW="2336800" imgH="355600" progId="Equation.3">
                   <p:embed/>
                 </p:oleObj>
               </mc:Choice>
               <mc:Fallback>
-                <p:oleObj name="Equation" r:id="rId3" imgW="2336800" imgH="355600" progId="Equation.3">
+                <p:oleObj name="Equation" r:id="rId2" imgW="2336800" imgH="355600" progId="Equation.3">
                   <p:embed/>
                   <p:pic>
                     <p:nvPicPr>
@@ -9363,7 +9367,7 @@
                       <p:nvPr/>
                     </p:nvPicPr>
                     <p:blipFill>
-                      <a:blip r:embed="rId4">
+                      <a:blip r:embed="rId3">
                         <a:extLst>
                           <a:ext uri="{28A0092B-C50C-407E-A947-70E740481C1C}">
                             <a14:useLocalDpi xmlns:a14="http://schemas.microsoft.com/office/drawing/2010/main" val="0"/>
@@ -9387,14 +9391,14 @@
                       <a:effectLst/>
                       <a:extLst>
                         <a:ext uri="{909E8E84-426E-40dd-AFC4-6F175D3DCCD1}">
-                          <a14:hiddenFill xmlns:a14="http://schemas.microsoft.com/office/drawing/2010/main" xmlns="">
+                          <a14:hiddenFill xmlns="" xmlns:a14="http://schemas.microsoft.com/office/drawing/2010/main">
                             <a:solidFill>
                               <a:srgbClr val="FFFFFF"/>
                             </a:solidFill>
                           </a14:hiddenFill>
                         </a:ext>
                         <a:ext uri="{AF507438-7753-43e0-B8FC-AC1667EBCBE1}">
-                          <a14:hiddenEffects xmlns:a14="http://schemas.microsoft.com/office/drawing/2010/main" xmlns="">
+                          <a14:hiddenEffects xmlns="" xmlns:a14="http://schemas.microsoft.com/office/drawing/2010/main">
                             <a:effectLst>
                               <a:outerShdw blurRad="63500" dist="38099" dir="2700000" algn="ctr" rotWithShape="0">
                                 <a:srgbClr val="808080">
@@ -9435,12 +9439,12 @@
           <a:graphicData uri="http://schemas.openxmlformats.org/presentationml/2006/ole">
             <mc:AlternateContent xmlns:mc="http://schemas.openxmlformats.org/markup-compatibility/2006">
               <mc:Choice xmlns:v="urn:schemas-microsoft-com:vml" Requires="v">
-                <p:oleObj spid="_x0000_s9329" name="Equation" r:id="rId5" imgW="2438400" imgH="177800" progId="Equation.3">
+                <p:oleObj name="Equation" r:id="rId4" imgW="2438400" imgH="177800" progId="Equation.3">
                   <p:embed/>
                 </p:oleObj>
               </mc:Choice>
               <mc:Fallback>
-                <p:oleObj name="Equation" r:id="rId5" imgW="2438400" imgH="177800" progId="Equation.3">
+                <p:oleObj name="Equation" r:id="rId4" imgW="2438400" imgH="177800" progId="Equation.3">
                   <p:embed/>
                   <p:pic>
                     <p:nvPicPr>
@@ -9457,7 +9461,7 @@
                       <p:nvPr/>
                     </p:nvPicPr>
                     <p:blipFill>
-                      <a:blip r:embed="rId6">
+                      <a:blip r:embed="rId5">
                         <a:extLst>
                           <a:ext uri="{28A0092B-C50C-407E-A947-70E740481C1C}">
                             <a14:useLocalDpi xmlns:a14="http://schemas.microsoft.com/office/drawing/2010/main" val="0"/>
@@ -9481,14 +9485,14 @@
                       <a:effectLst/>
                       <a:extLst>
                         <a:ext uri="{909E8E84-426E-40dd-AFC4-6F175D3DCCD1}">
-                          <a14:hiddenFill xmlns:a14="http://schemas.microsoft.com/office/drawing/2010/main" xmlns="">
+                          <a14:hiddenFill xmlns="" xmlns:a14="http://schemas.microsoft.com/office/drawing/2010/main">
                             <a:solidFill>
                               <a:srgbClr val="FFFFFF"/>
                             </a:solidFill>
                           </a14:hiddenFill>
                         </a:ext>
                         <a:ext uri="{AF507438-7753-43e0-B8FC-AC1667EBCBE1}">
-                          <a14:hiddenEffects xmlns:a14="http://schemas.microsoft.com/office/drawing/2010/main" xmlns="">
+                          <a14:hiddenEffects xmlns="" xmlns:a14="http://schemas.microsoft.com/office/drawing/2010/main">
                             <a:effectLst>
                               <a:outerShdw blurRad="63500" dist="38099" dir="2700000" algn="ctr" rotWithShape="0">
                                 <a:srgbClr val="808080">
@@ -9529,12 +9533,12 @@
           <a:graphicData uri="http://schemas.openxmlformats.org/presentationml/2006/ole">
             <mc:AlternateContent xmlns:mc="http://schemas.openxmlformats.org/markup-compatibility/2006">
               <mc:Choice xmlns:v="urn:schemas-microsoft-com:vml" Requires="v">
-                <p:oleObj spid="_x0000_s9330" name="‘ормула" r:id="rId7" imgW="1333500" imgH="571500" progId="Equation.3">
+                <p:oleObj name="‘ормула" r:id="rId6" imgW="1333500" imgH="571500" progId="Equation.3">
                   <p:embed/>
                 </p:oleObj>
               </mc:Choice>
               <mc:Fallback>
-                <p:oleObj name="‘ормула" r:id="rId7" imgW="1333500" imgH="571500" progId="Equation.3">
+                <p:oleObj name="‘ормула" r:id="rId6" imgW="1333500" imgH="571500" progId="Equation.3">
                   <p:embed/>
                   <p:pic>
                     <p:nvPicPr>
@@ -9549,7 +9553,7 @@
                       <p:nvPr/>
                     </p:nvPicPr>
                     <p:blipFill>
-                      <a:blip r:embed="rId8"/>
+                      <a:blip r:embed="rId7"/>
                       <a:stretch>
                         <a:fillRect/>
                       </a:stretch>
@@ -11893,7 +11897,7 @@
           <a:graphicData uri="http://schemas.openxmlformats.org/presentationml/2006/ole">
             <mc:AlternateContent xmlns:mc="http://schemas.openxmlformats.org/markup-compatibility/2006">
               <mc:Choice xmlns:v="urn:schemas-microsoft-com:vml" Requires="v">
-                <p:oleObj spid="_x0000_s10278" name="Equation" r:id="rId4" imgW="1536700" imgH="508000" progId="Equation.3">
+                <p:oleObj name="Equation" r:id="rId4" imgW="1536700" imgH="508000" progId="Equation.3">
                   <p:embed/>
                 </p:oleObj>
               </mc:Choice>
@@ -11932,7 +11936,7 @@
                       <a:noFill/>
                       <a:extLst>
                         <a:ext uri="{909E8E84-426E-40dd-AFC4-6F175D3DCCD1}">
-                          <a14:hiddenFill xmlns:a14="http://schemas.microsoft.com/office/drawing/2010/main" xmlns="">
+                          <a14:hiddenFill xmlns="" xmlns:a14="http://schemas.microsoft.com/office/drawing/2010/main">
                             <a:solidFill>
                               <a:srgbClr val="FFFFFF"/>
                             </a:solidFill>
@@ -15362,12 +15366,12 @@
           <a:graphicData uri="http://schemas.openxmlformats.org/presentationml/2006/ole">
             <mc:AlternateContent xmlns:mc="http://schemas.openxmlformats.org/markup-compatibility/2006">
               <mc:Choice xmlns:v="urn:schemas-microsoft-com:vml" Requires="v">
-                <p:oleObj spid="_x0000_s11339" name="Equation" r:id="rId3" imgW="3683000" imgH="787400" progId="Equation.3">
+                <p:oleObj name="Equation" r:id="rId2" imgW="3683000" imgH="787400" progId="Equation.3">
                   <p:embed/>
                 </p:oleObj>
               </mc:Choice>
               <mc:Fallback>
-                <p:oleObj name="Equation" r:id="rId3" imgW="3683000" imgH="787400" progId="Equation.3">
+                <p:oleObj name="Equation" r:id="rId2" imgW="3683000" imgH="787400" progId="Equation.3">
                   <p:embed/>
                   <p:pic>
                     <p:nvPicPr>
@@ -15384,7 +15388,7 @@
                       <p:nvPr/>
                     </p:nvPicPr>
                     <p:blipFill>
-                      <a:blip r:embed="rId4"/>
+                      <a:blip r:embed="rId3"/>
                       <a:srcRect/>
                       <a:stretch>
                         <a:fillRect/>
@@ -15435,12 +15439,12 @@
           <a:graphicData uri="http://schemas.openxmlformats.org/presentationml/2006/ole">
             <mc:AlternateContent xmlns:mc="http://schemas.openxmlformats.org/markup-compatibility/2006">
               <mc:Choice xmlns:v="urn:schemas-microsoft-com:vml" Requires="v">
-                <p:oleObj spid="_x0000_s11340" name="Equation" r:id="rId5" imgW="3289300" imgH="495300" progId="Equation.3">
+                <p:oleObj name="Equation" r:id="rId4" imgW="3289300" imgH="495300" progId="Equation.3">
                   <p:embed/>
                 </p:oleObj>
               </mc:Choice>
               <mc:Fallback>
-                <p:oleObj name="Equation" r:id="rId5" imgW="3289300" imgH="495300" progId="Equation.3">
+                <p:oleObj name="Equation" r:id="rId4" imgW="3289300" imgH="495300" progId="Equation.3">
                   <p:embed/>
                   <p:pic>
                     <p:nvPicPr>
@@ -15457,7 +15461,7 @@
                       <p:nvPr/>
                     </p:nvPicPr>
                     <p:blipFill>
-                      <a:blip r:embed="rId6"/>
+                      <a:blip r:embed="rId5"/>
                       <a:srcRect/>
                       <a:stretch>
                         <a:fillRect/>
